--- a/DBS_PPT_1.pptx
+++ b/DBS_PPT_1.pptx
@@ -568,7 +568,7 @@
             </a:ln>
             <a:extLst>
               <a:ext uri="{91240B29-F687-4f45-9708-019B960494DF}">
-                <a14:hiddenLine xmlns="" xmlns:a14="http://schemas.microsoft.com/office/drawing/2010/main" w="9525">
+                <a14:hiddenLine xmlns:a14="http://schemas.microsoft.com/office/drawing/2010/main" xmlns="" w="9525">
                   <a:solidFill>
                     <a:srgbClr val="000000"/>
                   </a:solidFill>
@@ -1649,7 +1649,7 @@
             </a:ln>
             <a:extLst>
               <a:ext uri="{91240B29-F687-4f45-9708-019B960494DF}">
-                <a14:hiddenLine xmlns="" xmlns:a14="http://schemas.microsoft.com/office/drawing/2010/main" w="9525">
+                <a14:hiddenLine xmlns:a14="http://schemas.microsoft.com/office/drawing/2010/main" xmlns="" w="9525">
                   <a:solidFill>
                     <a:srgbClr val="000000"/>
                   </a:solidFill>
@@ -2735,7 +2735,7 @@
             </a:ln>
             <a:extLst>
               <a:ext uri="{91240B29-F687-4f45-9708-019B960494DF}">
-                <a14:hiddenLine xmlns="" xmlns:a14="http://schemas.microsoft.com/office/drawing/2010/main" w="9525">
+                <a14:hiddenLine xmlns:a14="http://schemas.microsoft.com/office/drawing/2010/main" xmlns="" w="9525">
                   <a:solidFill>
                     <a:srgbClr val="000000"/>
                   </a:solidFill>
@@ -3696,7 +3696,7 @@
             </a:ln>
             <a:extLst>
               <a:ext uri="{91240B29-F687-4f45-9708-019B960494DF}">
-                <a14:hiddenLine xmlns="" xmlns:a14="http://schemas.microsoft.com/office/drawing/2010/main" w="9525">
+                <a14:hiddenLine xmlns:a14="http://schemas.microsoft.com/office/drawing/2010/main" xmlns="" w="9525">
                   <a:solidFill>
                     <a:srgbClr val="000000"/>
                   </a:solidFill>
@@ -4811,7 +4811,7 @@
             </a:ln>
             <a:extLst>
               <a:ext uri="{91240B29-F687-4f45-9708-019B960494DF}">
-                <a14:hiddenLine xmlns="" xmlns:a14="http://schemas.microsoft.com/office/drawing/2010/main" w="9525">
+                <a14:hiddenLine xmlns:a14="http://schemas.microsoft.com/office/drawing/2010/main" xmlns="" w="9525">
                   <a:solidFill>
                     <a:srgbClr val="000000"/>
                   </a:solidFill>
@@ -7560,7 +7560,7 @@
           </a:ln>
           <a:extLst>
             <a:ext uri="{91240B29-F687-4f45-9708-019B960494DF}">
-              <a14:hiddenLine xmlns="" xmlns:a14="http://schemas.microsoft.com/office/drawing/2010/main" w="9525">
+              <a14:hiddenLine xmlns:a14="http://schemas.microsoft.com/office/drawing/2010/main" xmlns="" w="9525">
                 <a:solidFill>
                   <a:srgbClr val="000000"/>
                 </a:solidFill>
@@ -8735,7 +8735,7 @@
             </a:ln>
             <a:extLst>
               <a:ext uri="{91240B29-F687-4f45-9708-019B960494DF}">
-                <a14:hiddenLine xmlns="" xmlns:a14="http://schemas.microsoft.com/office/drawing/2010/main" w="9525">
+                <a14:hiddenLine xmlns:a14="http://schemas.microsoft.com/office/drawing/2010/main" xmlns="" w="9525">
                   <a:solidFill>
                     <a:srgbClr val="000000"/>
                   </a:solidFill>
@@ -10703,7 +10703,7 @@
             </a:ln>
             <a:extLst>
               <a:ext uri="{91240B29-F687-4f45-9708-019B960494DF}">
-                <a14:hiddenLine xmlns="" xmlns:a14="http://schemas.microsoft.com/office/drawing/2010/main" w="9525">
+                <a14:hiddenLine xmlns:a14="http://schemas.microsoft.com/office/drawing/2010/main" xmlns="" w="9525">
                   <a:solidFill>
                     <a:srgbClr val="000000"/>
                   </a:solidFill>
@@ -11761,7 +11761,7 @@
             </a:ln>
             <a:extLst>
               <a:ext uri="{91240B29-F687-4f45-9708-019B960494DF}">
-                <a14:hiddenLine xmlns="" xmlns:a14="http://schemas.microsoft.com/office/drawing/2010/main" w="9525">
+                <a14:hiddenLine xmlns:a14="http://schemas.microsoft.com/office/drawing/2010/main" xmlns="" w="9525">
                   <a:solidFill>
                     <a:srgbClr val="000000"/>
                   </a:solidFill>
@@ -12811,7 +12811,7 @@
             </a:ln>
             <a:extLst>
               <a:ext uri="{91240B29-F687-4f45-9708-019B960494DF}">
-                <a14:hiddenLine xmlns="" xmlns:a14="http://schemas.microsoft.com/office/drawing/2010/main" w="9525">
+                <a14:hiddenLine xmlns:a14="http://schemas.microsoft.com/office/drawing/2010/main" xmlns="" w="9525">
                   <a:solidFill>
                     <a:srgbClr val="000000"/>
                   </a:solidFill>
@@ -13825,25 +13825,45 @@
           <a:bodyPr/>
           <a:lstStyle/>
           <a:p>
-            <a:endParaRPr/>
-          </a:p>
-          <a:p>
-            <a:r>
-              <a:t>Use pre-trained NLP models (e.g., spaCy, transformers)</a:t>
-            </a:r>
-          </a:p>
-          <a:p>
-            <a:r>
-              <a:t>Identify entities like PERSON, ORG, GPE, etc.</a:t>
-            </a:r>
-          </a:p>
-          <a:p>
-            <a:r>
+            <a:endParaRPr dirty="0"/>
+          </a:p>
+          <a:p>
+            <a:r>
+              <a:rPr dirty="0"/>
+              <a:t>Use pre-trained NLP models (e.g., </a:t>
+            </a:r>
+            <a:r>
+              <a:rPr dirty="0" err="1"/>
+              <a:t>spaCy</a:t>
+            </a:r>
+            <a:r>
+              <a:rPr dirty="0"/>
+              <a:t>, transformers)</a:t>
+            </a:r>
+          </a:p>
+          <a:p>
+            <a:r>
+              <a:rPr dirty="0"/>
+              <a:t>Identify entities like PERSON, ORG</a:t>
+            </a:r>
+            <a:r>
+              <a:rPr lang="en-SG" dirty="0"/>
+              <a:t>,</a:t>
+            </a:r>
+            <a:r>
+              <a:rPr dirty="0"/>
+              <a:t> etc.</a:t>
+            </a:r>
+          </a:p>
+          <a:p>
+            <a:r>
+              <a:rPr dirty="0"/>
               <a:t>Does not require labeled data</a:t>
             </a:r>
           </a:p>
           <a:p>
             <a:r>
+              <a:rPr dirty="0"/>
               <a:t>Fast and easy to implement</a:t>
             </a:r>
           </a:p>
@@ -14185,20 +14205,23 @@
           <a:bodyPr/>
           <a:lstStyle/>
           <a:p>
-            <a:endParaRPr/>
-          </a:p>
-          <a:p>
-            <a:r>
+            <a:endParaRPr dirty="0"/>
+          </a:p>
+          <a:p>
+            <a:r>
+              <a:rPr dirty="0"/>
               <a:t>Links text entities to real-world entries (e.g., Wikipedia)</a:t>
             </a:r>
           </a:p>
           <a:p>
             <a:r>
+              <a:rPr dirty="0"/>
               <a:t>Reduces ambiguity in similar or identical names</a:t>
             </a:r>
           </a:p>
           <a:p>
             <a:r>
+              <a:rPr dirty="0"/>
               <a:t>Example: 'Apple' → Apple Inc. vs. Apple (fruit)</a:t>
             </a:r>
           </a:p>
@@ -14295,6 +14318,283 @@
           <a:p>
             <a:r>
               <a:t>- More complex implementation</a:t>
+            </a:r>
+          </a:p>
+        </p:txBody>
+      </p:sp>
+      <p:sp>
+        <p:nvSpPr>
+          <p:cNvPr id="4" name="Content Placeholder 2">
+            <a:extLst>
+              <a:ext uri="{FF2B5EF4-FFF2-40B4-BE49-F238E27FC236}">
+                <a16:creationId xmlns:a16="http://schemas.microsoft.com/office/drawing/2014/main" id="{0BC89BF4-9ED6-015F-075F-87586541E10A}"/>
+              </a:ext>
+            </a:extLst>
+          </p:cNvPr>
+          <p:cNvSpPr txBox="1">
+            <a:spLocks/>
+          </p:cNvSpPr>
+          <p:nvPr/>
+        </p:nvSpPr>
+        <p:spPr>
+          <a:xfrm>
+            <a:off x="5490172" y="2895048"/>
+            <a:ext cx="3438939" cy="2400852"/>
+          </a:xfrm>
+          <a:prstGeom prst="rect">
+            <a:avLst/>
+          </a:prstGeom>
+        </p:spPr>
+        <p:txBody>
+          <a:bodyPr vert="horz" lIns="91440" tIns="45720" rIns="91440" bIns="45720" rtlCol="0">
+            <a:normAutofit fontScale="92500" lnSpcReduction="10000"/>
+          </a:bodyPr>
+          <a:lstStyle>
+            <a:lvl1pPr marL="342900" indent="-342900" algn="l" defTabSz="457200" rtl="0" eaLnBrk="1" latinLnBrk="0" hangingPunct="1">
+              <a:spcBef>
+                <a:spcPts val="1000"/>
+              </a:spcBef>
+              <a:spcAft>
+                <a:spcPts val="0"/>
+              </a:spcAft>
+              <a:buClr>
+                <a:schemeClr val="accent1"/>
+              </a:buClr>
+              <a:buSzPct val="80000"/>
+              <a:buFont typeface="Wingdings 3" charset="2"/>
+              <a:buChar char=""/>
+              <a:defRPr sz="1800" b="0" i="0" kern="1200">
+                <a:solidFill>
+                  <a:schemeClr val="tx1">
+                    <a:lumMod val="75000"/>
+                    <a:lumOff val="25000"/>
+                  </a:schemeClr>
+                </a:solidFill>
+                <a:latin typeface="+mn-lt"/>
+                <a:ea typeface="+mn-ea"/>
+                <a:cs typeface="+mn-cs"/>
+              </a:defRPr>
+            </a:lvl1pPr>
+            <a:lvl2pPr marL="685800" indent="-283464" algn="l" defTabSz="457200" rtl="0" eaLnBrk="1" latinLnBrk="0" hangingPunct="1">
+              <a:spcBef>
+                <a:spcPts val="1000"/>
+              </a:spcBef>
+              <a:spcAft>
+                <a:spcPts val="0"/>
+              </a:spcAft>
+              <a:buClr>
+                <a:schemeClr val="accent1"/>
+              </a:buClr>
+              <a:buSzPct val="80000"/>
+              <a:buFont typeface="Wingdings 3" charset="2"/>
+              <a:buChar char=""/>
+              <a:defRPr sz="1600" b="0" i="0" kern="1200">
+                <a:solidFill>
+                  <a:schemeClr val="tx1">
+                    <a:lumMod val="75000"/>
+                    <a:lumOff val="25000"/>
+                  </a:schemeClr>
+                </a:solidFill>
+                <a:latin typeface="+mn-lt"/>
+                <a:ea typeface="+mn-ea"/>
+                <a:cs typeface="+mn-cs"/>
+              </a:defRPr>
+            </a:lvl2pPr>
+            <a:lvl3pPr marL="960120" indent="-228600" algn="l" defTabSz="457200" rtl="0" eaLnBrk="1" latinLnBrk="0" hangingPunct="1">
+              <a:spcBef>
+                <a:spcPts val="1000"/>
+              </a:spcBef>
+              <a:spcAft>
+                <a:spcPts val="0"/>
+              </a:spcAft>
+              <a:buClr>
+                <a:schemeClr val="accent1"/>
+              </a:buClr>
+              <a:buSzPct val="80000"/>
+              <a:buFont typeface="Wingdings 3" charset="2"/>
+              <a:buChar char=""/>
+              <a:defRPr sz="1400" b="0" i="0" kern="1200">
+                <a:solidFill>
+                  <a:schemeClr val="tx1">
+                    <a:lumMod val="75000"/>
+                    <a:lumOff val="25000"/>
+                  </a:schemeClr>
+                </a:solidFill>
+                <a:latin typeface="+mn-lt"/>
+                <a:ea typeface="+mn-ea"/>
+                <a:cs typeface="+mn-cs"/>
+              </a:defRPr>
+            </a:lvl3pPr>
+            <a:lvl4pPr marL="1234440" indent="-228600" algn="l" defTabSz="457200" rtl="0" eaLnBrk="1" latinLnBrk="0" hangingPunct="1">
+              <a:spcBef>
+                <a:spcPts val="1000"/>
+              </a:spcBef>
+              <a:spcAft>
+                <a:spcPts val="0"/>
+              </a:spcAft>
+              <a:buClr>
+                <a:schemeClr val="accent1"/>
+              </a:buClr>
+              <a:buSzPct val="80000"/>
+              <a:buFont typeface="Wingdings 3" charset="2"/>
+              <a:buChar char=""/>
+              <a:defRPr sz="1200" b="0" i="0" kern="1200">
+                <a:solidFill>
+                  <a:schemeClr val="tx1">
+                    <a:lumMod val="75000"/>
+                    <a:lumOff val="25000"/>
+                  </a:schemeClr>
+                </a:solidFill>
+                <a:latin typeface="+mn-lt"/>
+                <a:ea typeface="+mn-ea"/>
+                <a:cs typeface="+mn-cs"/>
+              </a:defRPr>
+            </a:lvl4pPr>
+            <a:lvl5pPr marL="1508760" indent="-228600" algn="l" defTabSz="457200" rtl="0" eaLnBrk="1" latinLnBrk="0" hangingPunct="1">
+              <a:spcBef>
+                <a:spcPts val="1000"/>
+              </a:spcBef>
+              <a:spcAft>
+                <a:spcPts val="0"/>
+              </a:spcAft>
+              <a:buClr>
+                <a:schemeClr val="accent1"/>
+              </a:buClr>
+              <a:buSzPct val="80000"/>
+              <a:buFont typeface="Wingdings 3" charset="2"/>
+              <a:buChar char=""/>
+              <a:defRPr sz="1200" b="0" i="0" kern="1200">
+                <a:solidFill>
+                  <a:schemeClr val="tx1">
+                    <a:lumMod val="75000"/>
+                    <a:lumOff val="25000"/>
+                  </a:schemeClr>
+                </a:solidFill>
+                <a:latin typeface="+mn-lt"/>
+                <a:ea typeface="+mn-ea"/>
+                <a:cs typeface="+mn-cs"/>
+              </a:defRPr>
+            </a:lvl5pPr>
+            <a:lvl6pPr marL="1814600" indent="-228600" algn="l" defTabSz="457200" rtl="0" eaLnBrk="1" latinLnBrk="0" hangingPunct="1">
+              <a:spcBef>
+                <a:spcPts val="1000"/>
+              </a:spcBef>
+              <a:spcAft>
+                <a:spcPts val="0"/>
+              </a:spcAft>
+              <a:buClr>
+                <a:schemeClr val="accent1"/>
+              </a:buClr>
+              <a:buSzPct val="80000"/>
+              <a:buFont typeface="Wingdings 3" charset="2"/>
+              <a:buChar char=""/>
+              <a:defRPr sz="1200" b="0" i="0" kern="1200">
+                <a:solidFill>
+                  <a:schemeClr val="tx1">
+                    <a:lumMod val="75000"/>
+                    <a:lumOff val="25000"/>
+                  </a:schemeClr>
+                </a:solidFill>
+                <a:latin typeface="+mn-lt"/>
+                <a:ea typeface="+mn-ea"/>
+                <a:cs typeface="+mn-cs"/>
+              </a:defRPr>
+            </a:lvl6pPr>
+            <a:lvl7pPr marL="2071800" indent="-228600" algn="l" defTabSz="457200" rtl="0" eaLnBrk="1" latinLnBrk="0" hangingPunct="1">
+              <a:spcBef>
+                <a:spcPts val="1000"/>
+              </a:spcBef>
+              <a:spcAft>
+                <a:spcPts val="0"/>
+              </a:spcAft>
+              <a:buClr>
+                <a:schemeClr val="accent1"/>
+              </a:buClr>
+              <a:buSzPct val="80000"/>
+              <a:buFont typeface="Wingdings 3" charset="2"/>
+              <a:buChar char=""/>
+              <a:defRPr sz="1200" b="0" i="0" kern="1200">
+                <a:solidFill>
+                  <a:schemeClr val="tx1">
+                    <a:lumMod val="75000"/>
+                    <a:lumOff val="25000"/>
+                  </a:schemeClr>
+                </a:solidFill>
+                <a:latin typeface="+mn-lt"/>
+                <a:ea typeface="+mn-ea"/>
+                <a:cs typeface="+mn-cs"/>
+              </a:defRPr>
+            </a:lvl7pPr>
+            <a:lvl8pPr marL="2259000" indent="-228600" algn="l" defTabSz="457200" rtl="0" eaLnBrk="1" latinLnBrk="0" hangingPunct="1">
+              <a:spcBef>
+                <a:spcPts val="1000"/>
+              </a:spcBef>
+              <a:spcAft>
+                <a:spcPts val="0"/>
+              </a:spcAft>
+              <a:buClr>
+                <a:schemeClr val="accent1"/>
+              </a:buClr>
+              <a:buSzPct val="80000"/>
+              <a:buFont typeface="Wingdings 3" charset="2"/>
+              <a:buChar char=""/>
+              <a:defRPr sz="1200" b="0" i="0" kern="1200">
+                <a:solidFill>
+                  <a:schemeClr val="tx1">
+                    <a:lumMod val="75000"/>
+                    <a:lumOff val="25000"/>
+                  </a:schemeClr>
+                </a:solidFill>
+                <a:latin typeface="+mn-lt"/>
+                <a:ea typeface="+mn-ea"/>
+                <a:cs typeface="+mn-cs"/>
+              </a:defRPr>
+            </a:lvl8pPr>
+            <a:lvl9pPr marL="2486200" indent="-228600" algn="l" defTabSz="457200" rtl="0" eaLnBrk="1" latinLnBrk="0" hangingPunct="1">
+              <a:spcBef>
+                <a:spcPts val="1000"/>
+              </a:spcBef>
+              <a:spcAft>
+                <a:spcPts val="0"/>
+              </a:spcAft>
+              <a:buClr>
+                <a:schemeClr val="accent1"/>
+              </a:buClr>
+              <a:buSzPct val="80000"/>
+              <a:buFont typeface="Wingdings 3" charset="2"/>
+              <a:buChar char=""/>
+              <a:defRPr sz="1200" b="0" i="0" kern="1200">
+                <a:solidFill>
+                  <a:schemeClr val="tx1">
+                    <a:lumMod val="75000"/>
+                    <a:lumOff val="25000"/>
+                  </a:schemeClr>
+                </a:solidFill>
+                <a:latin typeface="+mn-lt"/>
+                <a:ea typeface="+mn-ea"/>
+                <a:cs typeface="+mn-cs"/>
+              </a:defRPr>
+            </a:lvl9pPr>
+          </a:lstStyle>
+          <a:p>
+            <a:endParaRPr lang="en-US" dirty="0"/>
+          </a:p>
+          <a:p>
+            <a:r>
+              <a:rPr lang="en-US" dirty="0"/>
+              <a:t>Links text entities to real-world entries (e.g., Wikipedia)</a:t>
+            </a:r>
+          </a:p>
+          <a:p>
+            <a:r>
+              <a:rPr lang="en-US" dirty="0"/>
+              <a:t>Reduces ambiguity in similar or identical names</a:t>
+            </a:r>
+          </a:p>
+          <a:p>
+            <a:r>
+              <a:rPr lang="en-US" dirty="0"/>
+              <a:t>Example: 'Apple' → Apple Inc. vs. Apple (fruit)</a:t>
             </a:r>
           </a:p>
         </p:txBody>
